--- a/ppt 16-9/1272.小朋友.pptx
+++ b/ppt 16-9/1272.小朋友.pptx
@@ -5,7 +5,7 @@
     <p:sldMasterId id="2147483648" r:id="rId1"/>
   </p:sldMasterIdLst>
   <p:sldIdLst>
-    <p:sldId id="821" r:id="rId2"/>
+    <p:sldId id="822" r:id="rId2"/>
   </p:sldIdLst>
   <p:sldSz cx="12192000" cy="6858000"/>
   <p:notesSz cx="6858000" cy="9144000"/>
@@ -129,7 +129,7 @@
           <p:cNvPr id="2" name="标题 1">
             <a:extLst>
               <a:ext uri="{FF2B5EF4-FFF2-40B4-BE49-F238E27FC236}">
-                <a16:creationId xmlns:a16="http://schemas.microsoft.com/office/drawing/2014/main" id="{28B4F3DA-C5FB-07B9-522E-A54076FE530A}"/>
+                <a16:creationId xmlns:a16="http://schemas.microsoft.com/office/drawing/2014/main" id="{7EAABF84-F03C-B41C-AADB-223295CA1773}"/>
               </a:ext>
             </a:extLst>
           </p:cNvPr>
@@ -166,7 +166,7 @@
           <p:cNvPr id="3" name="副标题 2">
             <a:extLst>
               <a:ext uri="{FF2B5EF4-FFF2-40B4-BE49-F238E27FC236}">
-                <a16:creationId xmlns:a16="http://schemas.microsoft.com/office/drawing/2014/main" id="{D03F160A-2EAE-0F48-267B-580E8B712A63}"/>
+                <a16:creationId xmlns:a16="http://schemas.microsoft.com/office/drawing/2014/main" id="{BDFC6B45-FFDF-3C5B-5EE4-D5A08163BBCF}"/>
               </a:ext>
             </a:extLst>
           </p:cNvPr>
@@ -236,7 +236,7 @@
           <p:cNvPr id="4" name="日期占位符 3">
             <a:extLst>
               <a:ext uri="{FF2B5EF4-FFF2-40B4-BE49-F238E27FC236}">
-                <a16:creationId xmlns:a16="http://schemas.microsoft.com/office/drawing/2014/main" id="{F569BF3C-2B55-6B47-F2BD-89BB7FFEDD0E}"/>
+                <a16:creationId xmlns:a16="http://schemas.microsoft.com/office/drawing/2014/main" id="{66DD21DF-9A9D-85BD-FD91-C5BC935859FE}"/>
               </a:ext>
             </a:extLst>
           </p:cNvPr>
@@ -252,7 +252,7 @@
           <a:bodyPr/>
           <a:lstStyle/>
           <a:p>
-            <a:fld id="{ACB36D9D-5EA3-4267-B64E-0E87BA711B13}" type="datetimeFigureOut">
+            <a:fld id="{8C3E2FC2-2CA0-4B75-84A7-7AFFBF010C71}" type="datetimeFigureOut">
               <a:rPr lang="zh-CN" altLang="en-US" smtClean="0"/>
               <a:t>2024/3/10</a:t>
             </a:fld>
@@ -265,7 +265,7 @@
           <p:cNvPr id="5" name="页脚占位符 4">
             <a:extLst>
               <a:ext uri="{FF2B5EF4-FFF2-40B4-BE49-F238E27FC236}">
-                <a16:creationId xmlns:a16="http://schemas.microsoft.com/office/drawing/2014/main" id="{0FD17AD5-4195-BF1B-EC2F-C1456390444F}"/>
+                <a16:creationId xmlns:a16="http://schemas.microsoft.com/office/drawing/2014/main" id="{26E7CD25-A5D6-6627-CA80-74E8167CCA10}"/>
               </a:ext>
             </a:extLst>
           </p:cNvPr>
@@ -290,7 +290,7 @@
           <p:cNvPr id="6" name="灯片编号占位符 5">
             <a:extLst>
               <a:ext uri="{FF2B5EF4-FFF2-40B4-BE49-F238E27FC236}">
-                <a16:creationId xmlns:a16="http://schemas.microsoft.com/office/drawing/2014/main" id="{F08E261B-2ECE-6329-BF7C-6D58929EB118}"/>
+                <a16:creationId xmlns:a16="http://schemas.microsoft.com/office/drawing/2014/main" id="{36286FBD-AFB2-E855-BB50-F5E4615405D7}"/>
               </a:ext>
             </a:extLst>
           </p:cNvPr>
@@ -306,7 +306,7 @@
           <a:bodyPr/>
           <a:lstStyle/>
           <a:p>
-            <a:fld id="{5C737EE8-3780-4CE3-88FE-B0959D15F779}" type="slidenum">
+            <a:fld id="{CB8E0BED-FD41-4124-8179-ADF1F0688857}" type="slidenum">
               <a:rPr lang="zh-CN" altLang="en-US" smtClean="0"/>
               <a:t>‹#›</a:t>
             </a:fld>
@@ -317,7 +317,7 @@
     </p:spTree>
     <p:extLst>
       <p:ext uri="{BB962C8B-B14F-4D97-AF65-F5344CB8AC3E}">
-        <p14:creationId xmlns:p14="http://schemas.microsoft.com/office/powerpoint/2010/main" val="2061799009"/>
+        <p14:creationId xmlns:p14="http://schemas.microsoft.com/office/powerpoint/2010/main" val="1445468109"/>
       </p:ext>
     </p:extLst>
   </p:cSld>
@@ -349,7 +349,7 @@
           <p:cNvPr id="2" name="标题 1">
             <a:extLst>
               <a:ext uri="{FF2B5EF4-FFF2-40B4-BE49-F238E27FC236}">
-                <a16:creationId xmlns:a16="http://schemas.microsoft.com/office/drawing/2014/main" id="{9DD99BF3-55BB-AEE3-315C-58824916C69F}"/>
+                <a16:creationId xmlns:a16="http://schemas.microsoft.com/office/drawing/2014/main" id="{A0D21B7C-2DED-E95E-47E5-FC2C1BE6748B}"/>
               </a:ext>
             </a:extLst>
           </p:cNvPr>
@@ -377,7 +377,7 @@
           <p:cNvPr id="3" name="竖排文字占位符 2">
             <a:extLst>
               <a:ext uri="{FF2B5EF4-FFF2-40B4-BE49-F238E27FC236}">
-                <a16:creationId xmlns:a16="http://schemas.microsoft.com/office/drawing/2014/main" id="{0DA0F116-722E-9135-E6FF-58FE8F868B6D}"/>
+                <a16:creationId xmlns:a16="http://schemas.microsoft.com/office/drawing/2014/main" id="{9E4BB60B-DCA9-A679-F52E-73934B4B590B}"/>
               </a:ext>
             </a:extLst>
           </p:cNvPr>
@@ -434,7 +434,7 @@
           <p:cNvPr id="4" name="日期占位符 3">
             <a:extLst>
               <a:ext uri="{FF2B5EF4-FFF2-40B4-BE49-F238E27FC236}">
-                <a16:creationId xmlns:a16="http://schemas.microsoft.com/office/drawing/2014/main" id="{D78E6331-C733-5696-16DA-246C12757EA3}"/>
+                <a16:creationId xmlns:a16="http://schemas.microsoft.com/office/drawing/2014/main" id="{091A59B7-DC46-2243-FA5C-B2435B52CA69}"/>
               </a:ext>
             </a:extLst>
           </p:cNvPr>
@@ -450,7 +450,7 @@
           <a:bodyPr/>
           <a:lstStyle/>
           <a:p>
-            <a:fld id="{ACB36D9D-5EA3-4267-B64E-0E87BA711B13}" type="datetimeFigureOut">
+            <a:fld id="{8C3E2FC2-2CA0-4B75-84A7-7AFFBF010C71}" type="datetimeFigureOut">
               <a:rPr lang="zh-CN" altLang="en-US" smtClean="0"/>
               <a:t>2024/3/10</a:t>
             </a:fld>
@@ -463,7 +463,7 @@
           <p:cNvPr id="5" name="页脚占位符 4">
             <a:extLst>
               <a:ext uri="{FF2B5EF4-FFF2-40B4-BE49-F238E27FC236}">
-                <a16:creationId xmlns:a16="http://schemas.microsoft.com/office/drawing/2014/main" id="{F02950F4-AF85-FA66-E2FE-B722286F46F2}"/>
+                <a16:creationId xmlns:a16="http://schemas.microsoft.com/office/drawing/2014/main" id="{22E2DB63-AE87-1368-95B3-B760EFF85E94}"/>
               </a:ext>
             </a:extLst>
           </p:cNvPr>
@@ -488,7 +488,7 @@
           <p:cNvPr id="6" name="灯片编号占位符 5">
             <a:extLst>
               <a:ext uri="{FF2B5EF4-FFF2-40B4-BE49-F238E27FC236}">
-                <a16:creationId xmlns:a16="http://schemas.microsoft.com/office/drawing/2014/main" id="{CF04385B-9E3D-B05A-07B1-8C9EF23284A8}"/>
+                <a16:creationId xmlns:a16="http://schemas.microsoft.com/office/drawing/2014/main" id="{82CE91B0-7B7A-9BC5-C2FE-DD396879D5A9}"/>
               </a:ext>
             </a:extLst>
           </p:cNvPr>
@@ -504,7 +504,7 @@
           <a:bodyPr/>
           <a:lstStyle/>
           <a:p>
-            <a:fld id="{5C737EE8-3780-4CE3-88FE-B0959D15F779}" type="slidenum">
+            <a:fld id="{CB8E0BED-FD41-4124-8179-ADF1F0688857}" type="slidenum">
               <a:rPr lang="zh-CN" altLang="en-US" smtClean="0"/>
               <a:t>‹#›</a:t>
             </a:fld>
@@ -515,7 +515,7 @@
     </p:spTree>
     <p:extLst>
       <p:ext uri="{BB962C8B-B14F-4D97-AF65-F5344CB8AC3E}">
-        <p14:creationId xmlns:p14="http://schemas.microsoft.com/office/powerpoint/2010/main" val="3372161975"/>
+        <p14:creationId xmlns:p14="http://schemas.microsoft.com/office/powerpoint/2010/main" val="2244654630"/>
       </p:ext>
     </p:extLst>
   </p:cSld>
@@ -547,7 +547,7 @@
           <p:cNvPr id="2" name="竖排标题 1">
             <a:extLst>
               <a:ext uri="{FF2B5EF4-FFF2-40B4-BE49-F238E27FC236}">
-                <a16:creationId xmlns:a16="http://schemas.microsoft.com/office/drawing/2014/main" id="{4FDCF037-01F0-1F43-1A85-DDBDC1C48D68}"/>
+                <a16:creationId xmlns:a16="http://schemas.microsoft.com/office/drawing/2014/main" id="{FAF31D19-E139-AF1B-DBF6-A68AA237342A}"/>
               </a:ext>
             </a:extLst>
           </p:cNvPr>
@@ -580,7 +580,7 @@
           <p:cNvPr id="3" name="竖排文字占位符 2">
             <a:extLst>
               <a:ext uri="{FF2B5EF4-FFF2-40B4-BE49-F238E27FC236}">
-                <a16:creationId xmlns:a16="http://schemas.microsoft.com/office/drawing/2014/main" id="{E6877067-E40F-1813-DBCE-EA10189D8E66}"/>
+                <a16:creationId xmlns:a16="http://schemas.microsoft.com/office/drawing/2014/main" id="{634C18C7-02A6-7812-92CA-DC105E1A992C}"/>
               </a:ext>
             </a:extLst>
           </p:cNvPr>
@@ -642,7 +642,7 @@
           <p:cNvPr id="4" name="日期占位符 3">
             <a:extLst>
               <a:ext uri="{FF2B5EF4-FFF2-40B4-BE49-F238E27FC236}">
-                <a16:creationId xmlns:a16="http://schemas.microsoft.com/office/drawing/2014/main" id="{59170CD5-5B12-0009-183A-E52BCBA6B011}"/>
+                <a16:creationId xmlns:a16="http://schemas.microsoft.com/office/drawing/2014/main" id="{F5D0B0DD-571D-2CF3-5492-A5FA07F9B703}"/>
               </a:ext>
             </a:extLst>
           </p:cNvPr>
@@ -658,7 +658,7 @@
           <a:bodyPr/>
           <a:lstStyle/>
           <a:p>
-            <a:fld id="{ACB36D9D-5EA3-4267-B64E-0E87BA711B13}" type="datetimeFigureOut">
+            <a:fld id="{8C3E2FC2-2CA0-4B75-84A7-7AFFBF010C71}" type="datetimeFigureOut">
               <a:rPr lang="zh-CN" altLang="en-US" smtClean="0"/>
               <a:t>2024/3/10</a:t>
             </a:fld>
@@ -671,7 +671,7 @@
           <p:cNvPr id="5" name="页脚占位符 4">
             <a:extLst>
               <a:ext uri="{FF2B5EF4-FFF2-40B4-BE49-F238E27FC236}">
-                <a16:creationId xmlns:a16="http://schemas.microsoft.com/office/drawing/2014/main" id="{F893B1CD-33BF-6307-1B0C-E30DA294EFDF}"/>
+                <a16:creationId xmlns:a16="http://schemas.microsoft.com/office/drawing/2014/main" id="{24DB38DB-EADE-3287-E699-A6C86458C686}"/>
               </a:ext>
             </a:extLst>
           </p:cNvPr>
@@ -696,7 +696,7 @@
           <p:cNvPr id="6" name="灯片编号占位符 5">
             <a:extLst>
               <a:ext uri="{FF2B5EF4-FFF2-40B4-BE49-F238E27FC236}">
-                <a16:creationId xmlns:a16="http://schemas.microsoft.com/office/drawing/2014/main" id="{ADEC87F7-26BE-4BD2-1F02-3386471F2A6F}"/>
+                <a16:creationId xmlns:a16="http://schemas.microsoft.com/office/drawing/2014/main" id="{F1663347-A763-E9E9-4D3D-7DD819154DF2}"/>
               </a:ext>
             </a:extLst>
           </p:cNvPr>
@@ -712,7 +712,7 @@
           <a:bodyPr/>
           <a:lstStyle/>
           <a:p>
-            <a:fld id="{5C737EE8-3780-4CE3-88FE-B0959D15F779}" type="slidenum">
+            <a:fld id="{CB8E0BED-FD41-4124-8179-ADF1F0688857}" type="slidenum">
               <a:rPr lang="zh-CN" altLang="en-US" smtClean="0"/>
               <a:t>‹#›</a:t>
             </a:fld>
@@ -723,7 +723,7 @@
     </p:spTree>
     <p:extLst>
       <p:ext uri="{BB962C8B-B14F-4D97-AF65-F5344CB8AC3E}">
-        <p14:creationId xmlns:p14="http://schemas.microsoft.com/office/powerpoint/2010/main" val="1405082533"/>
+        <p14:creationId xmlns:p14="http://schemas.microsoft.com/office/powerpoint/2010/main" val="404148078"/>
       </p:ext>
     </p:extLst>
   </p:cSld>
@@ -755,7 +755,7 @@
           <p:cNvPr id="2" name="标题 1">
             <a:extLst>
               <a:ext uri="{FF2B5EF4-FFF2-40B4-BE49-F238E27FC236}">
-                <a16:creationId xmlns:a16="http://schemas.microsoft.com/office/drawing/2014/main" id="{77FBC10C-B5FC-BB5A-B26D-7AAA2389A64C}"/>
+                <a16:creationId xmlns:a16="http://schemas.microsoft.com/office/drawing/2014/main" id="{AA4E2CE5-8CBA-2DA5-3991-0865C9798211}"/>
               </a:ext>
             </a:extLst>
           </p:cNvPr>
@@ -783,7 +783,7 @@
           <p:cNvPr id="3" name="内容占位符 2">
             <a:extLst>
               <a:ext uri="{FF2B5EF4-FFF2-40B4-BE49-F238E27FC236}">
-                <a16:creationId xmlns:a16="http://schemas.microsoft.com/office/drawing/2014/main" id="{533045BC-9585-910D-A79B-1CB531EEE2E9}"/>
+                <a16:creationId xmlns:a16="http://schemas.microsoft.com/office/drawing/2014/main" id="{B3AE00E3-95DA-7AE5-4ACA-F503F3CBE30F}"/>
               </a:ext>
             </a:extLst>
           </p:cNvPr>
@@ -840,7 +840,7 @@
           <p:cNvPr id="4" name="日期占位符 3">
             <a:extLst>
               <a:ext uri="{FF2B5EF4-FFF2-40B4-BE49-F238E27FC236}">
-                <a16:creationId xmlns:a16="http://schemas.microsoft.com/office/drawing/2014/main" id="{95A14CDE-D97E-5B7C-708D-42FB11C3E9F2}"/>
+                <a16:creationId xmlns:a16="http://schemas.microsoft.com/office/drawing/2014/main" id="{4CC72B6B-855B-221F-A628-5058A5526BB6}"/>
               </a:ext>
             </a:extLst>
           </p:cNvPr>
@@ -856,7 +856,7 @@
           <a:bodyPr/>
           <a:lstStyle/>
           <a:p>
-            <a:fld id="{ACB36D9D-5EA3-4267-B64E-0E87BA711B13}" type="datetimeFigureOut">
+            <a:fld id="{8C3E2FC2-2CA0-4B75-84A7-7AFFBF010C71}" type="datetimeFigureOut">
               <a:rPr lang="zh-CN" altLang="en-US" smtClean="0"/>
               <a:t>2024/3/10</a:t>
             </a:fld>
@@ -869,7 +869,7 @@
           <p:cNvPr id="5" name="页脚占位符 4">
             <a:extLst>
               <a:ext uri="{FF2B5EF4-FFF2-40B4-BE49-F238E27FC236}">
-                <a16:creationId xmlns:a16="http://schemas.microsoft.com/office/drawing/2014/main" id="{FD5B06A8-8702-2A07-90E7-444157C0AAC9}"/>
+                <a16:creationId xmlns:a16="http://schemas.microsoft.com/office/drawing/2014/main" id="{F2B8D9B4-4EDD-F139-B183-1F8A7BB93AE5}"/>
               </a:ext>
             </a:extLst>
           </p:cNvPr>
@@ -894,7 +894,7 @@
           <p:cNvPr id="6" name="灯片编号占位符 5">
             <a:extLst>
               <a:ext uri="{FF2B5EF4-FFF2-40B4-BE49-F238E27FC236}">
-                <a16:creationId xmlns:a16="http://schemas.microsoft.com/office/drawing/2014/main" id="{EA536611-5F20-7DE4-0BAE-251A394860DC}"/>
+                <a16:creationId xmlns:a16="http://schemas.microsoft.com/office/drawing/2014/main" id="{58EE4817-2467-D1DB-9E4E-0DBA8FE2C540}"/>
               </a:ext>
             </a:extLst>
           </p:cNvPr>
@@ -910,7 +910,7 @@
           <a:bodyPr/>
           <a:lstStyle/>
           <a:p>
-            <a:fld id="{5C737EE8-3780-4CE3-88FE-B0959D15F779}" type="slidenum">
+            <a:fld id="{CB8E0BED-FD41-4124-8179-ADF1F0688857}" type="slidenum">
               <a:rPr lang="zh-CN" altLang="en-US" smtClean="0"/>
               <a:t>‹#›</a:t>
             </a:fld>
@@ -921,7 +921,7 @@
     </p:spTree>
     <p:extLst>
       <p:ext uri="{BB962C8B-B14F-4D97-AF65-F5344CB8AC3E}">
-        <p14:creationId xmlns:p14="http://schemas.microsoft.com/office/powerpoint/2010/main" val="3893494963"/>
+        <p14:creationId xmlns:p14="http://schemas.microsoft.com/office/powerpoint/2010/main" val="2081084408"/>
       </p:ext>
     </p:extLst>
   </p:cSld>
@@ -953,7 +953,7 @@
           <p:cNvPr id="2" name="标题 1">
             <a:extLst>
               <a:ext uri="{FF2B5EF4-FFF2-40B4-BE49-F238E27FC236}">
-                <a16:creationId xmlns:a16="http://schemas.microsoft.com/office/drawing/2014/main" id="{DC75F7F1-7251-5C81-BEEF-65CE412A1E90}"/>
+                <a16:creationId xmlns:a16="http://schemas.microsoft.com/office/drawing/2014/main" id="{A99B27D1-AD84-4E08-190E-911CE53D7C52}"/>
               </a:ext>
             </a:extLst>
           </p:cNvPr>
@@ -990,7 +990,7 @@
           <p:cNvPr id="3" name="文本占位符 2">
             <a:extLst>
               <a:ext uri="{FF2B5EF4-FFF2-40B4-BE49-F238E27FC236}">
-                <a16:creationId xmlns:a16="http://schemas.microsoft.com/office/drawing/2014/main" id="{F4E128AE-1909-1152-BCA3-C409EE219415}"/>
+                <a16:creationId xmlns:a16="http://schemas.microsoft.com/office/drawing/2014/main" id="{ECBDA033-97B2-23D2-EF6D-13A9A1AE6120}"/>
               </a:ext>
             </a:extLst>
           </p:cNvPr>
@@ -1115,7 +1115,7 @@
           <p:cNvPr id="4" name="日期占位符 3">
             <a:extLst>
               <a:ext uri="{FF2B5EF4-FFF2-40B4-BE49-F238E27FC236}">
-                <a16:creationId xmlns:a16="http://schemas.microsoft.com/office/drawing/2014/main" id="{2FE862D7-648A-AC78-D390-7AB54F6DFB8F}"/>
+                <a16:creationId xmlns:a16="http://schemas.microsoft.com/office/drawing/2014/main" id="{BA982E54-655B-8960-7872-1521D891436E}"/>
               </a:ext>
             </a:extLst>
           </p:cNvPr>
@@ -1131,7 +1131,7 @@
           <a:bodyPr/>
           <a:lstStyle/>
           <a:p>
-            <a:fld id="{ACB36D9D-5EA3-4267-B64E-0E87BA711B13}" type="datetimeFigureOut">
+            <a:fld id="{8C3E2FC2-2CA0-4B75-84A7-7AFFBF010C71}" type="datetimeFigureOut">
               <a:rPr lang="zh-CN" altLang="en-US" smtClean="0"/>
               <a:t>2024/3/10</a:t>
             </a:fld>
@@ -1144,7 +1144,7 @@
           <p:cNvPr id="5" name="页脚占位符 4">
             <a:extLst>
               <a:ext uri="{FF2B5EF4-FFF2-40B4-BE49-F238E27FC236}">
-                <a16:creationId xmlns:a16="http://schemas.microsoft.com/office/drawing/2014/main" id="{82980388-9E54-C901-419E-8004A216D7FF}"/>
+                <a16:creationId xmlns:a16="http://schemas.microsoft.com/office/drawing/2014/main" id="{7D58F2F5-8B77-C3B0-CF84-86AD37673AC1}"/>
               </a:ext>
             </a:extLst>
           </p:cNvPr>
@@ -1169,7 +1169,7 @@
           <p:cNvPr id="6" name="灯片编号占位符 5">
             <a:extLst>
               <a:ext uri="{FF2B5EF4-FFF2-40B4-BE49-F238E27FC236}">
-                <a16:creationId xmlns:a16="http://schemas.microsoft.com/office/drawing/2014/main" id="{3CCCCCD9-91F3-5F56-176B-15279D561C52}"/>
+                <a16:creationId xmlns:a16="http://schemas.microsoft.com/office/drawing/2014/main" id="{C5A0EC63-B027-4C59-AD37-C830BC1D8BAE}"/>
               </a:ext>
             </a:extLst>
           </p:cNvPr>
@@ -1185,7 +1185,7 @@
           <a:bodyPr/>
           <a:lstStyle/>
           <a:p>
-            <a:fld id="{5C737EE8-3780-4CE3-88FE-B0959D15F779}" type="slidenum">
+            <a:fld id="{CB8E0BED-FD41-4124-8179-ADF1F0688857}" type="slidenum">
               <a:rPr lang="zh-CN" altLang="en-US" smtClean="0"/>
               <a:t>‹#›</a:t>
             </a:fld>
@@ -1196,7 +1196,7 @@
     </p:spTree>
     <p:extLst>
       <p:ext uri="{BB962C8B-B14F-4D97-AF65-F5344CB8AC3E}">
-        <p14:creationId xmlns:p14="http://schemas.microsoft.com/office/powerpoint/2010/main" val="1661105671"/>
+        <p14:creationId xmlns:p14="http://schemas.microsoft.com/office/powerpoint/2010/main" val="2422087799"/>
       </p:ext>
     </p:extLst>
   </p:cSld>
@@ -1228,7 +1228,7 @@
           <p:cNvPr id="2" name="标题 1">
             <a:extLst>
               <a:ext uri="{FF2B5EF4-FFF2-40B4-BE49-F238E27FC236}">
-                <a16:creationId xmlns:a16="http://schemas.microsoft.com/office/drawing/2014/main" id="{BBD14EEF-840B-E5A6-AC0A-602E3A0EC9BC}"/>
+                <a16:creationId xmlns:a16="http://schemas.microsoft.com/office/drawing/2014/main" id="{BA5A8991-AE60-5AD9-AE21-E2E2DEF16CEF}"/>
               </a:ext>
             </a:extLst>
           </p:cNvPr>
@@ -1256,7 +1256,7 @@
           <p:cNvPr id="3" name="内容占位符 2">
             <a:extLst>
               <a:ext uri="{FF2B5EF4-FFF2-40B4-BE49-F238E27FC236}">
-                <a16:creationId xmlns:a16="http://schemas.microsoft.com/office/drawing/2014/main" id="{E6254ABF-D4C2-0F83-227F-B1DA2B11123B}"/>
+                <a16:creationId xmlns:a16="http://schemas.microsoft.com/office/drawing/2014/main" id="{5AEFD29C-C423-3F69-39FF-7074E7A0BC18}"/>
               </a:ext>
             </a:extLst>
           </p:cNvPr>
@@ -1318,7 +1318,7 @@
           <p:cNvPr id="4" name="内容占位符 3">
             <a:extLst>
               <a:ext uri="{FF2B5EF4-FFF2-40B4-BE49-F238E27FC236}">
-                <a16:creationId xmlns:a16="http://schemas.microsoft.com/office/drawing/2014/main" id="{84933C6E-09E5-9E9E-4361-7562363A4E08}"/>
+                <a16:creationId xmlns:a16="http://schemas.microsoft.com/office/drawing/2014/main" id="{DD405312-49C2-09A1-6268-CD6B957658F4}"/>
               </a:ext>
             </a:extLst>
           </p:cNvPr>
@@ -1380,7 +1380,7 @@
           <p:cNvPr id="5" name="日期占位符 4">
             <a:extLst>
               <a:ext uri="{FF2B5EF4-FFF2-40B4-BE49-F238E27FC236}">
-                <a16:creationId xmlns:a16="http://schemas.microsoft.com/office/drawing/2014/main" id="{C3993069-F5D2-2A52-9229-C0E8CC73C1EE}"/>
+                <a16:creationId xmlns:a16="http://schemas.microsoft.com/office/drawing/2014/main" id="{7989830F-8108-DB7D-6A61-C652E030C3A9}"/>
               </a:ext>
             </a:extLst>
           </p:cNvPr>
@@ -1396,7 +1396,7 @@
           <a:bodyPr/>
           <a:lstStyle/>
           <a:p>
-            <a:fld id="{ACB36D9D-5EA3-4267-B64E-0E87BA711B13}" type="datetimeFigureOut">
+            <a:fld id="{8C3E2FC2-2CA0-4B75-84A7-7AFFBF010C71}" type="datetimeFigureOut">
               <a:rPr lang="zh-CN" altLang="en-US" smtClean="0"/>
               <a:t>2024/3/10</a:t>
             </a:fld>
@@ -1409,7 +1409,7 @@
           <p:cNvPr id="6" name="页脚占位符 5">
             <a:extLst>
               <a:ext uri="{FF2B5EF4-FFF2-40B4-BE49-F238E27FC236}">
-                <a16:creationId xmlns:a16="http://schemas.microsoft.com/office/drawing/2014/main" id="{FD1B92B9-1467-CAAB-5D15-A1CB120F80A0}"/>
+                <a16:creationId xmlns:a16="http://schemas.microsoft.com/office/drawing/2014/main" id="{717CA409-2395-CACA-BEDD-8EECF93E3430}"/>
               </a:ext>
             </a:extLst>
           </p:cNvPr>
@@ -1434,7 +1434,7 @@
           <p:cNvPr id="7" name="灯片编号占位符 6">
             <a:extLst>
               <a:ext uri="{FF2B5EF4-FFF2-40B4-BE49-F238E27FC236}">
-                <a16:creationId xmlns:a16="http://schemas.microsoft.com/office/drawing/2014/main" id="{D843D627-D9E4-791A-6E2A-1ACC8D25C1ED}"/>
+                <a16:creationId xmlns:a16="http://schemas.microsoft.com/office/drawing/2014/main" id="{44706DDC-F27F-B7F2-03F9-C66DBDCB54D0}"/>
               </a:ext>
             </a:extLst>
           </p:cNvPr>
@@ -1450,7 +1450,7 @@
           <a:bodyPr/>
           <a:lstStyle/>
           <a:p>
-            <a:fld id="{5C737EE8-3780-4CE3-88FE-B0959D15F779}" type="slidenum">
+            <a:fld id="{CB8E0BED-FD41-4124-8179-ADF1F0688857}" type="slidenum">
               <a:rPr lang="zh-CN" altLang="en-US" smtClean="0"/>
               <a:t>‹#›</a:t>
             </a:fld>
@@ -1461,7 +1461,7 @@
     </p:spTree>
     <p:extLst>
       <p:ext uri="{BB962C8B-B14F-4D97-AF65-F5344CB8AC3E}">
-        <p14:creationId xmlns:p14="http://schemas.microsoft.com/office/powerpoint/2010/main" val="2691211895"/>
+        <p14:creationId xmlns:p14="http://schemas.microsoft.com/office/powerpoint/2010/main" val="2125413398"/>
       </p:ext>
     </p:extLst>
   </p:cSld>
@@ -1493,7 +1493,7 @@
           <p:cNvPr id="2" name="标题 1">
             <a:extLst>
               <a:ext uri="{FF2B5EF4-FFF2-40B4-BE49-F238E27FC236}">
-                <a16:creationId xmlns:a16="http://schemas.microsoft.com/office/drawing/2014/main" id="{11AF44D1-8C4B-CD39-725D-7AF73778D7A4}"/>
+                <a16:creationId xmlns:a16="http://schemas.microsoft.com/office/drawing/2014/main" id="{3FC1EA8A-ACAA-B2CF-311E-8860791172E8}"/>
               </a:ext>
             </a:extLst>
           </p:cNvPr>
@@ -1526,7 +1526,7 @@
           <p:cNvPr id="3" name="文本占位符 2">
             <a:extLst>
               <a:ext uri="{FF2B5EF4-FFF2-40B4-BE49-F238E27FC236}">
-                <a16:creationId xmlns:a16="http://schemas.microsoft.com/office/drawing/2014/main" id="{90C0A3DF-6EBD-DA60-27F5-E64DE3891F1C}"/>
+                <a16:creationId xmlns:a16="http://schemas.microsoft.com/office/drawing/2014/main" id="{C3D867D9-AA6C-D7B3-3164-03619E3E43F2}"/>
               </a:ext>
             </a:extLst>
           </p:cNvPr>
@@ -1597,7 +1597,7 @@
           <p:cNvPr id="4" name="内容占位符 3">
             <a:extLst>
               <a:ext uri="{FF2B5EF4-FFF2-40B4-BE49-F238E27FC236}">
-                <a16:creationId xmlns:a16="http://schemas.microsoft.com/office/drawing/2014/main" id="{8F306D3A-5B86-91D3-F52D-3D2F96B682C7}"/>
+                <a16:creationId xmlns:a16="http://schemas.microsoft.com/office/drawing/2014/main" id="{53A016F5-9F5F-7662-AB18-A277F14135A1}"/>
               </a:ext>
             </a:extLst>
           </p:cNvPr>
@@ -1659,7 +1659,7 @@
           <p:cNvPr id="5" name="文本占位符 4">
             <a:extLst>
               <a:ext uri="{FF2B5EF4-FFF2-40B4-BE49-F238E27FC236}">
-                <a16:creationId xmlns:a16="http://schemas.microsoft.com/office/drawing/2014/main" id="{B9615D15-C98E-97B3-0852-D337D6CAD07D}"/>
+                <a16:creationId xmlns:a16="http://schemas.microsoft.com/office/drawing/2014/main" id="{55D78F1B-A9B7-4901-2B9D-063165B7A44E}"/>
               </a:ext>
             </a:extLst>
           </p:cNvPr>
@@ -1730,7 +1730,7 @@
           <p:cNvPr id="6" name="内容占位符 5">
             <a:extLst>
               <a:ext uri="{FF2B5EF4-FFF2-40B4-BE49-F238E27FC236}">
-                <a16:creationId xmlns:a16="http://schemas.microsoft.com/office/drawing/2014/main" id="{1A77A913-EB31-54D1-7020-5C18A3D04F92}"/>
+                <a16:creationId xmlns:a16="http://schemas.microsoft.com/office/drawing/2014/main" id="{B7FAC57A-04F1-9385-3758-780FA33ACED3}"/>
               </a:ext>
             </a:extLst>
           </p:cNvPr>
@@ -1792,7 +1792,7 @@
           <p:cNvPr id="7" name="日期占位符 6">
             <a:extLst>
               <a:ext uri="{FF2B5EF4-FFF2-40B4-BE49-F238E27FC236}">
-                <a16:creationId xmlns:a16="http://schemas.microsoft.com/office/drawing/2014/main" id="{23C199A7-6072-0837-810A-96A1A72337CE}"/>
+                <a16:creationId xmlns:a16="http://schemas.microsoft.com/office/drawing/2014/main" id="{390AD01E-F11D-B17E-17B1-9FEB3C6DC70E}"/>
               </a:ext>
             </a:extLst>
           </p:cNvPr>
@@ -1808,7 +1808,7 @@
           <a:bodyPr/>
           <a:lstStyle/>
           <a:p>
-            <a:fld id="{ACB36D9D-5EA3-4267-B64E-0E87BA711B13}" type="datetimeFigureOut">
+            <a:fld id="{8C3E2FC2-2CA0-4B75-84A7-7AFFBF010C71}" type="datetimeFigureOut">
               <a:rPr lang="zh-CN" altLang="en-US" smtClean="0"/>
               <a:t>2024/3/10</a:t>
             </a:fld>
@@ -1821,7 +1821,7 @@
           <p:cNvPr id="8" name="页脚占位符 7">
             <a:extLst>
               <a:ext uri="{FF2B5EF4-FFF2-40B4-BE49-F238E27FC236}">
-                <a16:creationId xmlns:a16="http://schemas.microsoft.com/office/drawing/2014/main" id="{3A004D52-81D5-F4A9-EC18-2438F2416C79}"/>
+                <a16:creationId xmlns:a16="http://schemas.microsoft.com/office/drawing/2014/main" id="{CF6F1998-17E2-9C4F-CB61-98D97FBB60ED}"/>
               </a:ext>
             </a:extLst>
           </p:cNvPr>
@@ -1846,7 +1846,7 @@
           <p:cNvPr id="9" name="灯片编号占位符 8">
             <a:extLst>
               <a:ext uri="{FF2B5EF4-FFF2-40B4-BE49-F238E27FC236}">
-                <a16:creationId xmlns:a16="http://schemas.microsoft.com/office/drawing/2014/main" id="{574F1879-C31E-4F27-AD3F-6A5271046682}"/>
+                <a16:creationId xmlns:a16="http://schemas.microsoft.com/office/drawing/2014/main" id="{430CA49C-D880-4F32-BAC0-8FF7BF06A848}"/>
               </a:ext>
             </a:extLst>
           </p:cNvPr>
@@ -1862,7 +1862,7 @@
           <a:bodyPr/>
           <a:lstStyle/>
           <a:p>
-            <a:fld id="{5C737EE8-3780-4CE3-88FE-B0959D15F779}" type="slidenum">
+            <a:fld id="{CB8E0BED-FD41-4124-8179-ADF1F0688857}" type="slidenum">
               <a:rPr lang="zh-CN" altLang="en-US" smtClean="0"/>
               <a:t>‹#›</a:t>
             </a:fld>
@@ -1873,7 +1873,7 @@
     </p:spTree>
     <p:extLst>
       <p:ext uri="{BB962C8B-B14F-4D97-AF65-F5344CB8AC3E}">
-        <p14:creationId xmlns:p14="http://schemas.microsoft.com/office/powerpoint/2010/main" val="2912693890"/>
+        <p14:creationId xmlns:p14="http://schemas.microsoft.com/office/powerpoint/2010/main" val="1171319926"/>
       </p:ext>
     </p:extLst>
   </p:cSld>
@@ -1905,7 +1905,7 @@
           <p:cNvPr id="2" name="标题 1">
             <a:extLst>
               <a:ext uri="{FF2B5EF4-FFF2-40B4-BE49-F238E27FC236}">
-                <a16:creationId xmlns:a16="http://schemas.microsoft.com/office/drawing/2014/main" id="{4D2320F1-5F7F-75EA-8943-8BCAA7703A08}"/>
+                <a16:creationId xmlns:a16="http://schemas.microsoft.com/office/drawing/2014/main" id="{54C6CDA0-A495-7F4A-5B06-B4D3E4C145A9}"/>
               </a:ext>
             </a:extLst>
           </p:cNvPr>
@@ -1933,7 +1933,7 @@
           <p:cNvPr id="3" name="日期占位符 2">
             <a:extLst>
               <a:ext uri="{FF2B5EF4-FFF2-40B4-BE49-F238E27FC236}">
-                <a16:creationId xmlns:a16="http://schemas.microsoft.com/office/drawing/2014/main" id="{1A2A7064-99FC-D409-B4B9-ED4645D000E6}"/>
+                <a16:creationId xmlns:a16="http://schemas.microsoft.com/office/drawing/2014/main" id="{E5296926-9FDB-D5A1-2DC4-6E741C42496E}"/>
               </a:ext>
             </a:extLst>
           </p:cNvPr>
@@ -1949,7 +1949,7 @@
           <a:bodyPr/>
           <a:lstStyle/>
           <a:p>
-            <a:fld id="{ACB36D9D-5EA3-4267-B64E-0E87BA711B13}" type="datetimeFigureOut">
+            <a:fld id="{8C3E2FC2-2CA0-4B75-84A7-7AFFBF010C71}" type="datetimeFigureOut">
               <a:rPr lang="zh-CN" altLang="en-US" smtClean="0"/>
               <a:t>2024/3/10</a:t>
             </a:fld>
@@ -1962,7 +1962,7 @@
           <p:cNvPr id="4" name="页脚占位符 3">
             <a:extLst>
               <a:ext uri="{FF2B5EF4-FFF2-40B4-BE49-F238E27FC236}">
-                <a16:creationId xmlns:a16="http://schemas.microsoft.com/office/drawing/2014/main" id="{4F20B49D-0325-151E-74ED-B3104DE31C33}"/>
+                <a16:creationId xmlns:a16="http://schemas.microsoft.com/office/drawing/2014/main" id="{2104CB43-06C6-DAD4-0FCC-054D16088BD9}"/>
               </a:ext>
             </a:extLst>
           </p:cNvPr>
@@ -1987,7 +1987,7 @@
           <p:cNvPr id="5" name="灯片编号占位符 4">
             <a:extLst>
               <a:ext uri="{FF2B5EF4-FFF2-40B4-BE49-F238E27FC236}">
-                <a16:creationId xmlns:a16="http://schemas.microsoft.com/office/drawing/2014/main" id="{1A8DA478-157C-2503-59A1-AF8315B089A2}"/>
+                <a16:creationId xmlns:a16="http://schemas.microsoft.com/office/drawing/2014/main" id="{D454778D-9E85-FB5C-788D-E00D4D7E71DE}"/>
               </a:ext>
             </a:extLst>
           </p:cNvPr>
@@ -2003,7 +2003,7 @@
           <a:bodyPr/>
           <a:lstStyle/>
           <a:p>
-            <a:fld id="{5C737EE8-3780-4CE3-88FE-B0959D15F779}" type="slidenum">
+            <a:fld id="{CB8E0BED-FD41-4124-8179-ADF1F0688857}" type="slidenum">
               <a:rPr lang="zh-CN" altLang="en-US" smtClean="0"/>
               <a:t>‹#›</a:t>
             </a:fld>
@@ -2014,7 +2014,7 @@
     </p:spTree>
     <p:extLst>
       <p:ext uri="{BB962C8B-B14F-4D97-AF65-F5344CB8AC3E}">
-        <p14:creationId xmlns:p14="http://schemas.microsoft.com/office/powerpoint/2010/main" val="1263849391"/>
+        <p14:creationId xmlns:p14="http://schemas.microsoft.com/office/powerpoint/2010/main" val="4059175394"/>
       </p:ext>
     </p:extLst>
   </p:cSld>
@@ -2046,7 +2046,7 @@
           <p:cNvPr id="2" name="日期占位符 1">
             <a:extLst>
               <a:ext uri="{FF2B5EF4-FFF2-40B4-BE49-F238E27FC236}">
-                <a16:creationId xmlns:a16="http://schemas.microsoft.com/office/drawing/2014/main" id="{54E42E5E-988D-B8B3-AA00-6C583EB10EB0}"/>
+                <a16:creationId xmlns:a16="http://schemas.microsoft.com/office/drawing/2014/main" id="{3691143C-CADB-45E5-CDFA-56A1D0172472}"/>
               </a:ext>
             </a:extLst>
           </p:cNvPr>
@@ -2062,7 +2062,7 @@
           <a:bodyPr/>
           <a:lstStyle/>
           <a:p>
-            <a:fld id="{ACB36D9D-5EA3-4267-B64E-0E87BA711B13}" type="datetimeFigureOut">
+            <a:fld id="{8C3E2FC2-2CA0-4B75-84A7-7AFFBF010C71}" type="datetimeFigureOut">
               <a:rPr lang="zh-CN" altLang="en-US" smtClean="0"/>
               <a:t>2024/3/10</a:t>
             </a:fld>
@@ -2075,7 +2075,7 @@
           <p:cNvPr id="3" name="页脚占位符 2">
             <a:extLst>
               <a:ext uri="{FF2B5EF4-FFF2-40B4-BE49-F238E27FC236}">
-                <a16:creationId xmlns:a16="http://schemas.microsoft.com/office/drawing/2014/main" id="{23E920E3-836D-2381-20CD-E1FAE1CCC961}"/>
+                <a16:creationId xmlns:a16="http://schemas.microsoft.com/office/drawing/2014/main" id="{B5945893-27C1-7185-A528-12098E36869F}"/>
               </a:ext>
             </a:extLst>
           </p:cNvPr>
@@ -2100,7 +2100,7 @@
           <p:cNvPr id="4" name="灯片编号占位符 3">
             <a:extLst>
               <a:ext uri="{FF2B5EF4-FFF2-40B4-BE49-F238E27FC236}">
-                <a16:creationId xmlns:a16="http://schemas.microsoft.com/office/drawing/2014/main" id="{59BF5F2E-4AAD-B10E-9716-F1F03385DEEB}"/>
+                <a16:creationId xmlns:a16="http://schemas.microsoft.com/office/drawing/2014/main" id="{758F6882-63C6-DE04-D1F1-08135C0BDBD0}"/>
               </a:ext>
             </a:extLst>
           </p:cNvPr>
@@ -2116,7 +2116,7 @@
           <a:bodyPr/>
           <a:lstStyle/>
           <a:p>
-            <a:fld id="{5C737EE8-3780-4CE3-88FE-B0959D15F779}" type="slidenum">
+            <a:fld id="{CB8E0BED-FD41-4124-8179-ADF1F0688857}" type="slidenum">
               <a:rPr lang="zh-CN" altLang="en-US" smtClean="0"/>
               <a:t>‹#›</a:t>
             </a:fld>
@@ -2127,7 +2127,7 @@
     </p:spTree>
     <p:extLst>
       <p:ext uri="{BB962C8B-B14F-4D97-AF65-F5344CB8AC3E}">
-        <p14:creationId xmlns:p14="http://schemas.microsoft.com/office/powerpoint/2010/main" val="600045335"/>
+        <p14:creationId xmlns:p14="http://schemas.microsoft.com/office/powerpoint/2010/main" val="3019854881"/>
       </p:ext>
     </p:extLst>
   </p:cSld>
@@ -2159,7 +2159,7 @@
           <p:cNvPr id="2" name="标题 1">
             <a:extLst>
               <a:ext uri="{FF2B5EF4-FFF2-40B4-BE49-F238E27FC236}">
-                <a16:creationId xmlns:a16="http://schemas.microsoft.com/office/drawing/2014/main" id="{514E7C10-1654-B767-2A2A-58BC1361B70D}"/>
+                <a16:creationId xmlns:a16="http://schemas.microsoft.com/office/drawing/2014/main" id="{17A5610A-0373-F8B7-D7B4-8E18FEFDEF35}"/>
               </a:ext>
             </a:extLst>
           </p:cNvPr>
@@ -2196,7 +2196,7 @@
           <p:cNvPr id="3" name="内容占位符 2">
             <a:extLst>
               <a:ext uri="{FF2B5EF4-FFF2-40B4-BE49-F238E27FC236}">
-                <a16:creationId xmlns:a16="http://schemas.microsoft.com/office/drawing/2014/main" id="{95057030-DFC9-DA94-B1FA-0C0E001F38C9}"/>
+                <a16:creationId xmlns:a16="http://schemas.microsoft.com/office/drawing/2014/main" id="{95BC9A74-2008-D563-F677-8ABF4A5781CF}"/>
               </a:ext>
             </a:extLst>
           </p:cNvPr>
@@ -2286,7 +2286,7 @@
           <p:cNvPr id="4" name="文本占位符 3">
             <a:extLst>
               <a:ext uri="{FF2B5EF4-FFF2-40B4-BE49-F238E27FC236}">
-                <a16:creationId xmlns:a16="http://schemas.microsoft.com/office/drawing/2014/main" id="{8683AA3A-1EE4-134E-9EFC-D0BE71306F19}"/>
+                <a16:creationId xmlns:a16="http://schemas.microsoft.com/office/drawing/2014/main" id="{6BB02965-67C1-A2D9-CF55-65AFAC1CF876}"/>
               </a:ext>
             </a:extLst>
           </p:cNvPr>
@@ -2357,7 +2357,7 @@
           <p:cNvPr id="5" name="日期占位符 4">
             <a:extLst>
               <a:ext uri="{FF2B5EF4-FFF2-40B4-BE49-F238E27FC236}">
-                <a16:creationId xmlns:a16="http://schemas.microsoft.com/office/drawing/2014/main" id="{5684A7D8-A19B-E2F2-C4DF-4250E0BF9A0B}"/>
+                <a16:creationId xmlns:a16="http://schemas.microsoft.com/office/drawing/2014/main" id="{11F6AA80-97A2-7E63-65DB-7BC69F6BEC49}"/>
               </a:ext>
             </a:extLst>
           </p:cNvPr>
@@ -2373,7 +2373,7 @@
           <a:bodyPr/>
           <a:lstStyle/>
           <a:p>
-            <a:fld id="{ACB36D9D-5EA3-4267-B64E-0E87BA711B13}" type="datetimeFigureOut">
+            <a:fld id="{8C3E2FC2-2CA0-4B75-84A7-7AFFBF010C71}" type="datetimeFigureOut">
               <a:rPr lang="zh-CN" altLang="en-US" smtClean="0"/>
               <a:t>2024/3/10</a:t>
             </a:fld>
@@ -2386,7 +2386,7 @@
           <p:cNvPr id="6" name="页脚占位符 5">
             <a:extLst>
               <a:ext uri="{FF2B5EF4-FFF2-40B4-BE49-F238E27FC236}">
-                <a16:creationId xmlns:a16="http://schemas.microsoft.com/office/drawing/2014/main" id="{30CB7287-3EC0-BE10-A0AE-827577FE3E83}"/>
+                <a16:creationId xmlns:a16="http://schemas.microsoft.com/office/drawing/2014/main" id="{3632789D-2502-C21C-6C28-77E291C75735}"/>
               </a:ext>
             </a:extLst>
           </p:cNvPr>
@@ -2411,7 +2411,7 @@
           <p:cNvPr id="7" name="灯片编号占位符 6">
             <a:extLst>
               <a:ext uri="{FF2B5EF4-FFF2-40B4-BE49-F238E27FC236}">
-                <a16:creationId xmlns:a16="http://schemas.microsoft.com/office/drawing/2014/main" id="{3A1458BF-A5D3-CF28-4229-ADE50D5788B1}"/>
+                <a16:creationId xmlns:a16="http://schemas.microsoft.com/office/drawing/2014/main" id="{A4AEA80C-E9B1-6EBA-1A10-8D92248DFC5B}"/>
               </a:ext>
             </a:extLst>
           </p:cNvPr>
@@ -2427,7 +2427,7 @@
           <a:bodyPr/>
           <a:lstStyle/>
           <a:p>
-            <a:fld id="{5C737EE8-3780-4CE3-88FE-B0959D15F779}" type="slidenum">
+            <a:fld id="{CB8E0BED-FD41-4124-8179-ADF1F0688857}" type="slidenum">
               <a:rPr lang="zh-CN" altLang="en-US" smtClean="0"/>
               <a:t>‹#›</a:t>
             </a:fld>
@@ -2438,7 +2438,7 @@
     </p:spTree>
     <p:extLst>
       <p:ext uri="{BB962C8B-B14F-4D97-AF65-F5344CB8AC3E}">
-        <p14:creationId xmlns:p14="http://schemas.microsoft.com/office/powerpoint/2010/main" val="3969728761"/>
+        <p14:creationId xmlns:p14="http://schemas.microsoft.com/office/powerpoint/2010/main" val="356520461"/>
       </p:ext>
     </p:extLst>
   </p:cSld>
@@ -2470,7 +2470,7 @@
           <p:cNvPr id="2" name="标题 1">
             <a:extLst>
               <a:ext uri="{FF2B5EF4-FFF2-40B4-BE49-F238E27FC236}">
-                <a16:creationId xmlns:a16="http://schemas.microsoft.com/office/drawing/2014/main" id="{916C33A5-FD46-C42D-9348-20B2B7289037}"/>
+                <a16:creationId xmlns:a16="http://schemas.microsoft.com/office/drawing/2014/main" id="{99316BFA-2AF0-64AB-0FA6-6E736A21100E}"/>
               </a:ext>
             </a:extLst>
           </p:cNvPr>
@@ -2507,7 +2507,7 @@
           <p:cNvPr id="3" name="图片占位符 2">
             <a:extLst>
               <a:ext uri="{FF2B5EF4-FFF2-40B4-BE49-F238E27FC236}">
-                <a16:creationId xmlns:a16="http://schemas.microsoft.com/office/drawing/2014/main" id="{844FED37-C1F4-7C81-A7A6-FB3C39A24A32}"/>
+                <a16:creationId xmlns:a16="http://schemas.microsoft.com/office/drawing/2014/main" id="{8366AAB5-1ACF-2A87-BAB0-10B066148F59}"/>
               </a:ext>
             </a:extLst>
           </p:cNvPr>
@@ -2574,7 +2574,7 @@
           <p:cNvPr id="4" name="文本占位符 3">
             <a:extLst>
               <a:ext uri="{FF2B5EF4-FFF2-40B4-BE49-F238E27FC236}">
-                <a16:creationId xmlns:a16="http://schemas.microsoft.com/office/drawing/2014/main" id="{08505805-6E55-B4B8-2F6C-3B6926E4541D}"/>
+                <a16:creationId xmlns:a16="http://schemas.microsoft.com/office/drawing/2014/main" id="{9B1DD32F-48C1-32F9-C874-C141F585F9B7}"/>
               </a:ext>
             </a:extLst>
           </p:cNvPr>
@@ -2645,7 +2645,7 @@
           <p:cNvPr id="5" name="日期占位符 4">
             <a:extLst>
               <a:ext uri="{FF2B5EF4-FFF2-40B4-BE49-F238E27FC236}">
-                <a16:creationId xmlns:a16="http://schemas.microsoft.com/office/drawing/2014/main" id="{BE628C89-DEC4-2922-88B7-60B3FE1232D3}"/>
+                <a16:creationId xmlns:a16="http://schemas.microsoft.com/office/drawing/2014/main" id="{20BEB888-98F2-E798-C597-657364799FCC}"/>
               </a:ext>
             </a:extLst>
           </p:cNvPr>
@@ -2661,7 +2661,7 @@
           <a:bodyPr/>
           <a:lstStyle/>
           <a:p>
-            <a:fld id="{ACB36D9D-5EA3-4267-B64E-0E87BA711B13}" type="datetimeFigureOut">
+            <a:fld id="{8C3E2FC2-2CA0-4B75-84A7-7AFFBF010C71}" type="datetimeFigureOut">
               <a:rPr lang="zh-CN" altLang="en-US" smtClean="0"/>
               <a:t>2024/3/10</a:t>
             </a:fld>
@@ -2674,7 +2674,7 @@
           <p:cNvPr id="6" name="页脚占位符 5">
             <a:extLst>
               <a:ext uri="{FF2B5EF4-FFF2-40B4-BE49-F238E27FC236}">
-                <a16:creationId xmlns:a16="http://schemas.microsoft.com/office/drawing/2014/main" id="{75150399-A4E3-DE3E-28E3-8E827F6463D2}"/>
+                <a16:creationId xmlns:a16="http://schemas.microsoft.com/office/drawing/2014/main" id="{0392CF3C-8997-2CF1-8348-4FA624208878}"/>
               </a:ext>
             </a:extLst>
           </p:cNvPr>
@@ -2699,7 +2699,7 @@
           <p:cNvPr id="7" name="灯片编号占位符 6">
             <a:extLst>
               <a:ext uri="{FF2B5EF4-FFF2-40B4-BE49-F238E27FC236}">
-                <a16:creationId xmlns:a16="http://schemas.microsoft.com/office/drawing/2014/main" id="{3E723B38-F8B9-4463-43B5-96CC02C82B79}"/>
+                <a16:creationId xmlns:a16="http://schemas.microsoft.com/office/drawing/2014/main" id="{7BB5D061-7CE4-46AF-7FB8-A42A37D96F01}"/>
               </a:ext>
             </a:extLst>
           </p:cNvPr>
@@ -2715,7 +2715,7 @@
           <a:bodyPr/>
           <a:lstStyle/>
           <a:p>
-            <a:fld id="{5C737EE8-3780-4CE3-88FE-B0959D15F779}" type="slidenum">
+            <a:fld id="{CB8E0BED-FD41-4124-8179-ADF1F0688857}" type="slidenum">
               <a:rPr lang="zh-CN" altLang="en-US" smtClean="0"/>
               <a:t>‹#›</a:t>
             </a:fld>
@@ -2726,7 +2726,7 @@
     </p:spTree>
     <p:extLst>
       <p:ext uri="{BB962C8B-B14F-4D97-AF65-F5344CB8AC3E}">
-        <p14:creationId xmlns:p14="http://schemas.microsoft.com/office/powerpoint/2010/main" val="615147184"/>
+        <p14:creationId xmlns:p14="http://schemas.microsoft.com/office/powerpoint/2010/main" val="1709671742"/>
       </p:ext>
     </p:extLst>
   </p:cSld>
@@ -2763,7 +2763,7 @@
           <p:cNvPr id="2" name="标题占位符 1">
             <a:extLst>
               <a:ext uri="{FF2B5EF4-FFF2-40B4-BE49-F238E27FC236}">
-                <a16:creationId xmlns:a16="http://schemas.microsoft.com/office/drawing/2014/main" id="{36A42888-0587-7EA8-7357-ACE8F91B522A}"/>
+                <a16:creationId xmlns:a16="http://schemas.microsoft.com/office/drawing/2014/main" id="{9F6AE0D6-25D7-CBED-6BC1-24BF5C866CDE}"/>
               </a:ext>
             </a:extLst>
           </p:cNvPr>
@@ -2801,7 +2801,7 @@
           <p:cNvPr id="3" name="文本占位符 2">
             <a:extLst>
               <a:ext uri="{FF2B5EF4-FFF2-40B4-BE49-F238E27FC236}">
-                <a16:creationId xmlns:a16="http://schemas.microsoft.com/office/drawing/2014/main" id="{1ED2A44F-D1FD-2C85-4734-DEB88CE37632}"/>
+                <a16:creationId xmlns:a16="http://schemas.microsoft.com/office/drawing/2014/main" id="{0A149407-6AD8-0C5F-B9ED-7F8B16938E1F}"/>
               </a:ext>
             </a:extLst>
           </p:cNvPr>
@@ -2868,7 +2868,7 @@
           <p:cNvPr id="4" name="日期占位符 3">
             <a:extLst>
               <a:ext uri="{FF2B5EF4-FFF2-40B4-BE49-F238E27FC236}">
-                <a16:creationId xmlns:a16="http://schemas.microsoft.com/office/drawing/2014/main" id="{C1CABB81-9CD9-D6AB-FDAB-BEE7E97E938F}"/>
+                <a16:creationId xmlns:a16="http://schemas.microsoft.com/office/drawing/2014/main" id="{DC70F925-CBDF-85AF-FB66-19E6421B194C}"/>
               </a:ext>
             </a:extLst>
           </p:cNvPr>
@@ -2902,7 +2902,7 @@
             </a:lvl1pPr>
           </a:lstStyle>
           <a:p>
-            <a:fld id="{ACB36D9D-5EA3-4267-B64E-0E87BA711B13}" type="datetimeFigureOut">
+            <a:fld id="{8C3E2FC2-2CA0-4B75-84A7-7AFFBF010C71}" type="datetimeFigureOut">
               <a:rPr lang="zh-CN" altLang="en-US" smtClean="0"/>
               <a:t>2024/3/10</a:t>
             </a:fld>
@@ -2915,7 +2915,7 @@
           <p:cNvPr id="5" name="页脚占位符 4">
             <a:extLst>
               <a:ext uri="{FF2B5EF4-FFF2-40B4-BE49-F238E27FC236}">
-                <a16:creationId xmlns:a16="http://schemas.microsoft.com/office/drawing/2014/main" id="{75CFAAFD-5143-A5C8-383C-52E756426D33}"/>
+                <a16:creationId xmlns:a16="http://schemas.microsoft.com/office/drawing/2014/main" id="{AB947A73-B4E2-8A51-5E83-3C4697CA0369}"/>
               </a:ext>
             </a:extLst>
           </p:cNvPr>
@@ -2958,7 +2958,7 @@
           <p:cNvPr id="6" name="灯片编号占位符 5">
             <a:extLst>
               <a:ext uri="{FF2B5EF4-FFF2-40B4-BE49-F238E27FC236}">
-                <a16:creationId xmlns:a16="http://schemas.microsoft.com/office/drawing/2014/main" id="{9B42BD61-26C2-F90B-D562-B3290E034D5C}"/>
+                <a16:creationId xmlns:a16="http://schemas.microsoft.com/office/drawing/2014/main" id="{6BCE91B6-EF51-F047-6CAE-067E9D0013C8}"/>
               </a:ext>
             </a:extLst>
           </p:cNvPr>
@@ -2992,7 +2992,7 @@
             </a:lvl1pPr>
           </a:lstStyle>
           <a:p>
-            <a:fld id="{5C737EE8-3780-4CE3-88FE-B0959D15F779}" type="slidenum">
+            <a:fld id="{CB8E0BED-FD41-4124-8179-ADF1F0688857}" type="slidenum">
               <a:rPr lang="zh-CN" altLang="en-US" smtClean="0"/>
               <a:t>‹#›</a:t>
             </a:fld>
@@ -3003,7 +3003,7 @@
     </p:spTree>
     <p:extLst>
       <p:ext uri="{BB962C8B-B14F-4D97-AF65-F5344CB8AC3E}">
-        <p14:creationId xmlns:p14="http://schemas.microsoft.com/office/powerpoint/2010/main" val="3515666356"/>
+        <p14:creationId xmlns:p14="http://schemas.microsoft.com/office/powerpoint/2010/main" val="348038183"/>
       </p:ext>
     </p:extLst>
   </p:cSld>
@@ -3323,7 +3323,7 @@
       </p:grpSpPr>
       <p:pic>
         <p:nvPicPr>
-          <p:cNvPr id="1302530" name="Picture 2" descr="1271"/>
+          <p:cNvPr id="1303554" name="Picture 2" descr="1272"/>
           <p:cNvPicPr>
             <a:picLocks noChangeAspect="1" noChangeArrowheads="1"/>
           </p:cNvPicPr>
@@ -3345,7 +3345,7 @@
         <p:spPr bwMode="auto">
           <a:xfrm>
             <a:off x="1524000" y="1"/>
-            <a:ext cx="9144000" cy="4005263"/>
+            <a:ext cx="9144000" cy="4652963"/>
           </a:xfrm>
           <a:prstGeom prst="rect">
             <a:avLst/>
